--- a/public/Poster.pptx
+++ b/public/Poster.pptx
@@ -104,6 +104,11 @@
       </a:defRPr>
     </a:lvl9pPr>
   </p:defaultTextStyle>
+  <p:extLst>
+    <p:ext uri="{EFAFB233-063F-42B5-8137-9DF3F51BA10A}">
+      <p15:sldGuideLst xmlns:p15="http://schemas.microsoft.com/office/powerpoint/2012/main"/>
+    </p:ext>
+  </p:extLst>
 </p:presentation>
 </file>
 
@@ -238,7 +243,7 @@
           <a:p>
             <a:fld id="{60B46CE3-8D49-411C-AB29-A07FCCEDC90E}" type="datetimeFigureOut">
               <a:rPr lang="en-IN" smtClean="0"/>
-              <a:t>11-02-2025</a:t>
+              <a:t>06-03-2025</a:t>
             </a:fld>
             <a:endParaRPr lang="en-IN"/>
           </a:p>
@@ -408,7 +413,7 @@
           <a:p>
             <a:fld id="{60B46CE3-8D49-411C-AB29-A07FCCEDC90E}" type="datetimeFigureOut">
               <a:rPr lang="en-IN" smtClean="0"/>
-              <a:t>11-02-2025</a:t>
+              <a:t>06-03-2025</a:t>
             </a:fld>
             <a:endParaRPr lang="en-IN"/>
           </a:p>
@@ -588,7 +593,7 @@
           <a:p>
             <a:fld id="{60B46CE3-8D49-411C-AB29-A07FCCEDC90E}" type="datetimeFigureOut">
               <a:rPr lang="en-IN" smtClean="0"/>
-              <a:t>11-02-2025</a:t>
+              <a:t>06-03-2025</a:t>
             </a:fld>
             <a:endParaRPr lang="en-IN"/>
           </a:p>
@@ -758,7 +763,7 @@
           <a:p>
             <a:fld id="{60B46CE3-8D49-411C-AB29-A07FCCEDC90E}" type="datetimeFigureOut">
               <a:rPr lang="en-IN" smtClean="0"/>
-              <a:t>11-02-2025</a:t>
+              <a:t>06-03-2025</a:t>
             </a:fld>
             <a:endParaRPr lang="en-IN"/>
           </a:p>
@@ -1002,7 +1007,7 @@
           <a:p>
             <a:fld id="{60B46CE3-8D49-411C-AB29-A07FCCEDC90E}" type="datetimeFigureOut">
               <a:rPr lang="en-IN" smtClean="0"/>
-              <a:t>11-02-2025</a:t>
+              <a:t>06-03-2025</a:t>
             </a:fld>
             <a:endParaRPr lang="en-IN"/>
           </a:p>
@@ -1234,7 +1239,7 @@
           <a:p>
             <a:fld id="{60B46CE3-8D49-411C-AB29-A07FCCEDC90E}" type="datetimeFigureOut">
               <a:rPr lang="en-IN" smtClean="0"/>
-              <a:t>11-02-2025</a:t>
+              <a:t>06-03-2025</a:t>
             </a:fld>
             <a:endParaRPr lang="en-IN"/>
           </a:p>
@@ -1601,7 +1606,7 @@
           <a:p>
             <a:fld id="{60B46CE3-8D49-411C-AB29-A07FCCEDC90E}" type="datetimeFigureOut">
               <a:rPr lang="en-IN" smtClean="0"/>
-              <a:t>11-02-2025</a:t>
+              <a:t>06-03-2025</a:t>
             </a:fld>
             <a:endParaRPr lang="en-IN"/>
           </a:p>
@@ -1719,7 +1724,7 @@
           <a:p>
             <a:fld id="{60B46CE3-8D49-411C-AB29-A07FCCEDC90E}" type="datetimeFigureOut">
               <a:rPr lang="en-IN" smtClean="0"/>
-              <a:t>11-02-2025</a:t>
+              <a:t>06-03-2025</a:t>
             </a:fld>
             <a:endParaRPr lang="en-IN"/>
           </a:p>
@@ -1814,7 +1819,7 @@
           <a:p>
             <a:fld id="{60B46CE3-8D49-411C-AB29-A07FCCEDC90E}" type="datetimeFigureOut">
               <a:rPr lang="en-IN" smtClean="0"/>
-              <a:t>11-02-2025</a:t>
+              <a:t>06-03-2025</a:t>
             </a:fld>
             <a:endParaRPr lang="en-IN"/>
           </a:p>
@@ -2091,7 +2096,7 @@
           <a:p>
             <a:fld id="{60B46CE3-8D49-411C-AB29-A07FCCEDC90E}" type="datetimeFigureOut">
               <a:rPr lang="en-IN" smtClean="0"/>
-              <a:t>11-02-2025</a:t>
+              <a:t>06-03-2025</a:t>
             </a:fld>
             <a:endParaRPr lang="en-IN"/>
           </a:p>
@@ -2348,7 +2353,7 @@
           <a:p>
             <a:fld id="{60B46CE3-8D49-411C-AB29-A07FCCEDC90E}" type="datetimeFigureOut">
               <a:rPr lang="en-IN" smtClean="0"/>
-              <a:t>11-02-2025</a:t>
+              <a:t>06-03-2025</a:t>
             </a:fld>
             <a:endParaRPr lang="en-IN"/>
           </a:p>
@@ -2561,7 +2566,7 @@
           <a:p>
             <a:fld id="{60B46CE3-8D49-411C-AB29-A07FCCEDC90E}" type="datetimeFigureOut">
               <a:rPr lang="en-IN" smtClean="0"/>
-              <a:t>11-02-2025</a:t>
+              <a:t>06-03-2025</a:t>
             </a:fld>
             <a:endParaRPr lang="en-IN"/>
           </a:p>
@@ -2993,7 +2998,7 @@
         </p:blipFill>
         <p:spPr bwMode="auto">
           <a:xfrm>
-            <a:off x="28613040" y="282169"/>
+            <a:off x="5467190" y="571183"/>
             <a:ext cx="3957846" cy="3363089"/>
           </a:xfrm>
           <a:prstGeom prst="rect">
@@ -3054,141 +3059,6 @@
           </a:extLst>
         </p:spPr>
       </p:pic>
-      <p:pic>
-        <p:nvPicPr>
-          <p:cNvPr id="6" name="Picture 5" descr="Vellore Institute of Technology - Wikipedia">
-            <a:extLst>
-              <a:ext uri="{FF2B5EF4-FFF2-40B4-BE49-F238E27FC236}">
-                <a16:creationId xmlns:a16="http://schemas.microsoft.com/office/drawing/2014/main" id="{1E66272B-40D0-10FB-DD3D-E908241C9671}"/>
-              </a:ext>
-            </a:extLst>
-          </p:cNvPr>
-          <p:cNvPicPr>
-            <a:picLocks noChangeAspect="1"/>
-          </p:cNvPicPr>
-          <p:nvPr/>
-        </p:nvPicPr>
-        <p:blipFill>
-          <a:blip r:embed="rId4">
-            <a:extLst>
-              <a:ext uri="{28A0092B-C50C-407E-A947-70E740481C1C}">
-                <a14:useLocalDpi xmlns:a14="http://schemas.microsoft.com/office/drawing/2010/main" val="0"/>
-              </a:ext>
-            </a:extLst>
-          </a:blip>
-          <a:srcRect/>
-          <a:stretch>
-            <a:fillRect/>
-          </a:stretch>
-        </p:blipFill>
-        <p:spPr bwMode="auto">
-          <a:xfrm>
-            <a:off x="4692660" y="658640"/>
-            <a:ext cx="3199984" cy="3363089"/>
-          </a:xfrm>
-          <a:prstGeom prst="rect">
-            <a:avLst/>
-          </a:prstGeom>
-          <a:noFill/>
-          <a:ln>
-            <a:noFill/>
-          </a:ln>
-        </p:spPr>
-      </p:pic>
-      <p:sp>
-        <p:nvSpPr>
-          <p:cNvPr id="7" name="Rectangle 6">
-            <a:extLst>
-              <a:ext uri="{FF2B5EF4-FFF2-40B4-BE49-F238E27FC236}">
-                <a16:creationId xmlns:a16="http://schemas.microsoft.com/office/drawing/2014/main" id="{09667A96-D4B6-D070-BF2C-C309B54A9756}"/>
-              </a:ext>
-            </a:extLst>
-          </p:cNvPr>
-          <p:cNvSpPr/>
-          <p:nvPr/>
-        </p:nvSpPr>
-        <p:spPr>
-          <a:xfrm>
-            <a:off x="10895171" y="1178883"/>
-            <a:ext cx="11113770" cy="1569660"/>
-          </a:xfrm>
-          <a:prstGeom prst="rect">
-            <a:avLst/>
-          </a:prstGeom>
-          <a:noFill/>
-          <a:ln>
-            <a:noFill/>
-          </a:ln>
-        </p:spPr>
-        <p:style>
-          <a:lnRef idx="0">
-            <a:scrgbClr r="0" g="0" b="0"/>
-          </a:lnRef>
-          <a:fillRef idx="0">
-            <a:scrgbClr r="0" g="0" b="0"/>
-          </a:fillRef>
-          <a:effectRef idx="0">
-            <a:scrgbClr r="0" g="0" b="0"/>
-          </a:effectRef>
-          <a:fontRef idx="minor">
-            <a:schemeClr val="lt1"/>
-          </a:fontRef>
-        </p:style>
-        <p:txBody>
-          <a:bodyPr wrap="square" lIns="91440" tIns="45720" rIns="91440" bIns="45720">
-            <a:spAutoFit/>
-          </a:bodyPr>
-          <a:lstStyle/>
-          <a:p>
-            <a:pPr algn="ctr"/>
-            <a:r>
-              <a:rPr lang="en-US" sz="9600" b="1" i="1" cap="none" spc="0" dirty="0">
-                <a:ln w="9525">
-                  <a:solidFill>
-                    <a:schemeClr val="bg1"/>
-                  </a:solidFill>
-                  <a:prstDash val="solid"/>
-                </a:ln>
-                <a:solidFill>
-                  <a:srgbClr val="42B333"/>
-                </a:solidFill>
-                <a:effectLst>
-                  <a:glow rad="228600">
-                    <a:schemeClr val="accent6">
-                      <a:satMod val="175000"/>
-                      <a:alpha val="40000"/>
-                    </a:schemeClr>
-                  </a:glow>
-                </a:effectLst>
-                <a:latin typeface="Eras Bold ITC" panose="020B0907030504020204" pitchFamily="34" charset="0"/>
-                <a:cs typeface="Times New Roman" panose="02020603050405020304" pitchFamily="18" charset="0"/>
-              </a:rPr>
-              <a:t>SCHEMCON-2025</a:t>
-            </a:r>
-            <a:endParaRPr lang="en-US" sz="8800" b="1" i="1" cap="none" spc="0" dirty="0">
-              <a:ln w="9525">
-                <a:solidFill>
-                  <a:schemeClr val="bg1"/>
-                </a:solidFill>
-                <a:prstDash val="solid"/>
-              </a:ln>
-              <a:solidFill>
-                <a:srgbClr val="42B333"/>
-              </a:solidFill>
-              <a:effectLst>
-                <a:glow rad="228600">
-                  <a:schemeClr val="accent6">
-                    <a:satMod val="175000"/>
-                    <a:alpha val="40000"/>
-                  </a:schemeClr>
-                </a:glow>
-              </a:effectLst>
-              <a:latin typeface="Eras Bold ITC" panose="020B0907030504020204" pitchFamily="34" charset="0"/>
-              <a:cs typeface="Times New Roman" panose="02020603050405020304" pitchFamily="18" charset="0"/>
-            </a:endParaRPr>
-          </a:p>
-        </p:txBody>
-      </p:sp>
       <p:sp>
         <p:nvSpPr>
           <p:cNvPr id="8" name="Rectangle 7">
@@ -3250,7 +3120,7 @@
         </p:nvSpPr>
         <p:spPr>
           <a:xfrm>
-            <a:off x="12963732" y="3737822"/>
+            <a:off x="12963731" y="5427892"/>
             <a:ext cx="6976648" cy="1446550"/>
           </a:xfrm>
           <a:prstGeom prst="rect">
@@ -3524,7 +3394,7 @@
                 <a:latin typeface="Times New Roman" pitchFamily="18" charset="0"/>
                 <a:cs typeface="Times New Roman" pitchFamily="18" charset="0"/>
               </a:rPr>
-              <a:t>Poster Size is 91.4cm x 121.9cm (36”x48”) (Width X height )</a:t>
+              <a:t>Poster Size is 91.4cm x 121.9cm (36”x48”) (Width X Height )</a:t>
             </a:r>
             <a:endParaRPr lang="en-IN" sz="9600" dirty="0">
               <a:latin typeface="Times New Roman" pitchFamily="18" charset="0"/>
@@ -3536,47 +3406,6 @@
           </a:p>
         </p:txBody>
       </p:sp>
-      <p:pic>
-        <p:nvPicPr>
-          <p:cNvPr id="24" name="Picture 23" descr="Vellore Institute of Technology - Wikipedia">
-            <a:extLst>
-              <a:ext uri="{FF2B5EF4-FFF2-40B4-BE49-F238E27FC236}">
-                <a16:creationId xmlns:a16="http://schemas.microsoft.com/office/drawing/2014/main" id="{EAF4A581-D49F-1145-9B81-8DD62E9A4664}"/>
-              </a:ext>
-            </a:extLst>
-          </p:cNvPr>
-          <p:cNvPicPr>
-            <a:picLocks noChangeAspect="1"/>
-          </p:cNvPicPr>
-          <p:nvPr/>
-        </p:nvPicPr>
-        <p:blipFill>
-          <a:blip r:embed="rId4">
-            <a:extLst>
-              <a:ext uri="{28A0092B-C50C-407E-A947-70E740481C1C}">
-                <a14:useLocalDpi xmlns:a14="http://schemas.microsoft.com/office/drawing/2010/main" val="0"/>
-              </a:ext>
-            </a:extLst>
-          </a:blip>
-          <a:srcRect/>
-          <a:stretch>
-            <a:fillRect/>
-          </a:stretch>
-        </p:blipFill>
-        <p:spPr bwMode="auto">
-          <a:xfrm>
-            <a:off x="364078" y="41030769"/>
-            <a:ext cx="2613584" cy="2579077"/>
-          </a:xfrm>
-          <a:prstGeom prst="rect">
-            <a:avLst/>
-          </a:prstGeom>
-          <a:noFill/>
-          <a:ln>
-            <a:noFill/>
-          </a:ln>
-        </p:spPr>
-      </p:pic>
       <p:sp>
         <p:nvSpPr>
           <p:cNvPr id="25" name="Rectangle 24">
@@ -3591,8 +3420,8 @@
         </p:nvSpPr>
         <p:spPr>
           <a:xfrm>
-            <a:off x="8604739" y="42704380"/>
-            <a:ext cx="24299374" cy="45719"/>
+            <a:off x="0" y="42704380"/>
+            <a:ext cx="32904113" cy="45719"/>
           </a:xfrm>
           <a:prstGeom prst="rect">
             <a:avLst/>
@@ -3626,62 +3455,6 @@
       </p:sp>
       <p:sp>
         <p:nvSpPr>
-          <p:cNvPr id="27" name="TextBox 26">
-            <a:extLst>
-              <a:ext uri="{FF2B5EF4-FFF2-40B4-BE49-F238E27FC236}">
-                <a16:creationId xmlns:a16="http://schemas.microsoft.com/office/drawing/2014/main" id="{36CE8453-6923-196E-4BD3-350A983A70AC}"/>
-              </a:ext>
-            </a:extLst>
-          </p:cNvPr>
-          <p:cNvSpPr txBox="1"/>
-          <p:nvPr/>
-        </p:nvSpPr>
-        <p:spPr>
-          <a:xfrm>
-            <a:off x="-2829583" y="42280869"/>
-            <a:ext cx="17103968" cy="830997"/>
-          </a:xfrm>
-          <a:prstGeom prst="rect">
-            <a:avLst/>
-          </a:prstGeom>
-          <a:noFill/>
-        </p:spPr>
-        <p:txBody>
-          <a:bodyPr wrap="square">
-            <a:spAutoFit/>
-          </a:bodyPr>
-          <a:lstStyle/>
-          <a:p>
-            <a:pPr algn="ctr"/>
-            <a:r>
-              <a:rPr lang="en-US" sz="4800" b="1" i="1" cap="none" spc="0" dirty="0">
-                <a:ln w="9525">
-                  <a:solidFill>
-                    <a:schemeClr val="bg1"/>
-                  </a:solidFill>
-                  <a:prstDash val="solid"/>
-                </a:ln>
-                <a:solidFill>
-                  <a:srgbClr val="42B333"/>
-                </a:solidFill>
-                <a:effectLst>
-                  <a:glow rad="228600">
-                    <a:schemeClr val="accent6">
-                      <a:satMod val="175000"/>
-                      <a:alpha val="40000"/>
-                    </a:schemeClr>
-                  </a:glow>
-                </a:effectLst>
-                <a:latin typeface="Eras Bold ITC" panose="020B0907030504020204" pitchFamily="34" charset="0"/>
-                <a:cs typeface="Times New Roman" panose="02020603050405020304" pitchFamily="18" charset="0"/>
-              </a:rPr>
-              <a:t>SCHEMCON-2025</a:t>
-            </a:r>
-          </a:p>
-        </p:txBody>
-      </p:sp>
-      <p:sp>
-        <p:nvSpPr>
           <p:cNvPr id="29" name="TextBox 28">
             <a:extLst>
               <a:ext uri="{FF2B5EF4-FFF2-40B4-BE49-F238E27FC236}">
@@ -3694,8 +3467,8 @@
         </p:nvSpPr>
         <p:spPr>
           <a:xfrm>
-            <a:off x="8979876" y="42865035"/>
-            <a:ext cx="20913969" cy="984885"/>
+            <a:off x="10073777" y="42971493"/>
+            <a:ext cx="12756558" cy="984885"/>
           </a:xfrm>
           <a:prstGeom prst="rect">
             <a:avLst/>
@@ -3708,6 +3481,7 @@
           </a:bodyPr>
           <a:lstStyle/>
           <a:p>
+            <a:pPr algn="ctr"/>
             <a:r>
               <a:rPr lang="en-IN" sz="4000" dirty="0">
                 <a:latin typeface="Times New Roman" panose="02020603050405020304" pitchFamily="18" charset="0"/>
@@ -3717,10 +3491,160 @@
             </a:r>
           </a:p>
           <a:p>
+            <a:pPr algn="ctr"/>
             <a:endParaRPr lang="en-IN" dirty="0"/>
           </a:p>
         </p:txBody>
       </p:sp>
+      <p:sp>
+        <p:nvSpPr>
+          <p:cNvPr id="10" name="TextBox 9">
+            <a:extLst>
+              <a:ext uri="{FF2B5EF4-FFF2-40B4-BE49-F238E27FC236}">
+                <a16:creationId xmlns:a16="http://schemas.microsoft.com/office/drawing/2014/main" id="{1D15051E-6C6A-95B4-A277-899240FDE474}"/>
+              </a:ext>
+            </a:extLst>
+          </p:cNvPr>
+          <p:cNvSpPr txBox="1"/>
+          <p:nvPr/>
+        </p:nvSpPr>
+        <p:spPr>
+          <a:xfrm>
+            <a:off x="11816285" y="1178883"/>
+            <a:ext cx="9718227" cy="1569660"/>
+          </a:xfrm>
+          <a:prstGeom prst="rect">
+            <a:avLst/>
+          </a:prstGeom>
+          <a:noFill/>
+        </p:spPr>
+        <p:txBody>
+          <a:bodyPr wrap="square" rtlCol="0">
+            <a:spAutoFit/>
+          </a:bodyPr>
+          <a:lstStyle/>
+          <a:p>
+            <a:r>
+              <a:rPr lang="en-US" sz="9600" b="1" dirty="0">
+                <a:solidFill>
+                  <a:srgbClr val="A10F47"/>
+                </a:solidFill>
+              </a:rPr>
+              <a:t>SCHEMCON - 2025</a:t>
+            </a:r>
+            <a:endParaRPr lang="en-IN" sz="9600" b="1" dirty="0">
+              <a:solidFill>
+                <a:srgbClr val="A10F47"/>
+              </a:solidFill>
+            </a:endParaRPr>
+          </a:p>
+        </p:txBody>
+      </p:sp>
+      <p:sp>
+        <p:nvSpPr>
+          <p:cNvPr id="13" name="TextBox 12">
+            <a:extLst>
+              <a:ext uri="{FF2B5EF4-FFF2-40B4-BE49-F238E27FC236}">
+                <a16:creationId xmlns:a16="http://schemas.microsoft.com/office/drawing/2014/main" id="{C8E0756B-5BBF-F917-3535-87A52CD083BD}"/>
+              </a:ext>
+            </a:extLst>
+          </p:cNvPr>
+          <p:cNvSpPr txBox="1"/>
+          <p:nvPr/>
+        </p:nvSpPr>
+        <p:spPr>
+          <a:xfrm>
+            <a:off x="1065275" y="41504051"/>
+            <a:ext cx="31220245" cy="1200329"/>
+          </a:xfrm>
+          <a:prstGeom prst="rect">
+            <a:avLst/>
+          </a:prstGeom>
+          <a:noFill/>
+        </p:spPr>
+        <p:txBody>
+          <a:bodyPr wrap="square" rtlCol="0">
+            <a:spAutoFit/>
+          </a:bodyPr>
+          <a:lstStyle/>
+          <a:p>
+            <a:pPr algn="ctr"/>
+            <a:r>
+              <a:rPr lang="en-US" sz="7200" dirty="0">
+                <a:solidFill>
+                  <a:schemeClr val="accent5">
+                    <a:lumMod val="75000"/>
+                  </a:schemeClr>
+                </a:solidFill>
+              </a:rPr>
+              <a:t>21</a:t>
+            </a:r>
+            <a:r>
+              <a:rPr lang="en-US" sz="7200" baseline="30000" dirty="0">
+                <a:solidFill>
+                  <a:schemeClr val="accent5">
+                    <a:lumMod val="75000"/>
+                  </a:schemeClr>
+                </a:solidFill>
+              </a:rPr>
+              <a:t>st</a:t>
+            </a:r>
+            <a:r>
+              <a:rPr lang="en-US" sz="7200" dirty="0">
+                <a:solidFill>
+                  <a:schemeClr val="accent5">
+                    <a:lumMod val="75000"/>
+                  </a:schemeClr>
+                </a:solidFill>
+              </a:rPr>
+              <a:t> Annual Student’s Annual Chemical Engineering Congress , 3-4 October 2025</a:t>
+            </a:r>
+            <a:endParaRPr lang="en-IN" sz="7200" dirty="0">
+              <a:solidFill>
+                <a:schemeClr val="accent5">
+                  <a:lumMod val="75000"/>
+                </a:schemeClr>
+              </a:solidFill>
+            </a:endParaRPr>
+          </a:p>
+        </p:txBody>
+      </p:sp>
+      <p:pic>
+        <p:nvPicPr>
+          <p:cNvPr id="3" name="Picture 2">
+            <a:extLst>
+              <a:ext uri="{FF2B5EF4-FFF2-40B4-BE49-F238E27FC236}">
+                <a16:creationId xmlns:a16="http://schemas.microsoft.com/office/drawing/2014/main" id="{E1A8A136-F1C4-4BF0-04CE-14925315D366}"/>
+              </a:ext>
+            </a:extLst>
+          </p:cNvPr>
+          <p:cNvPicPr>
+            <a:picLocks noChangeAspect="1"/>
+          </p:cNvPicPr>
+          <p:nvPr/>
+        </p:nvPicPr>
+        <p:blipFill>
+          <a:blip r:embed="rId4">
+            <a:extLst>
+              <a:ext uri="{28A0092B-C50C-407E-A947-70E740481C1C}">
+                <a14:useLocalDpi xmlns:a14="http://schemas.microsoft.com/office/drawing/2010/main" val="0"/>
+              </a:ext>
+            </a:extLst>
+          </a:blip>
+          <a:stretch>
+            <a:fillRect/>
+          </a:stretch>
+        </p:blipFill>
+        <p:spPr>
+          <a:xfrm>
+            <a:off x="23886163" y="776780"/>
+            <a:ext cx="8667755" cy="3363089"/>
+          </a:xfrm>
+          <a:prstGeom prst="rect">
+            <a:avLst/>
+          </a:prstGeom>
+        </p:spPr>
+      </p:pic>
     </p:spTree>
     <p:extLst>
       <p:ext uri="{BB962C8B-B14F-4D97-AF65-F5344CB8AC3E}">
